--- a/VUE分享.pptx
+++ b/VUE分享.pptx
@@ -115,6 +115,11 @@
       </a:defRPr>
     </a:lvl9pPr>
   </p:defaultTextStyle>
+  <p:extLst>
+    <p:ext uri="{EFAFB233-063F-42B5-8137-9DF3F51BA10A}">
+      <p15:sldGuideLst xmlns:p15="http://schemas.microsoft.com/office/powerpoint/2012/main"/>
+    </p:ext>
+  </p:extLst>
 </p:presentation>
 </file>
 
@@ -793,7 +798,7 @@
           <a:p>
             <a:fld id="{A5B301E8-B11C-466C-AC35-58E98D98688F}" type="datetimeFigureOut">
               <a:rPr lang="ca-AD" smtClean="0"/>
-              <a:t>25/10/2017</a:t>
+              <a:t>26/10/2017</a:t>
             </a:fld>
             <a:endParaRPr lang="ca-AD"/>
           </a:p>
@@ -993,7 +998,7 @@
           <a:p>
             <a:fld id="{A5B301E8-B11C-466C-AC35-58E98D98688F}" type="datetimeFigureOut">
               <a:rPr lang="ca-AD" smtClean="0"/>
-              <a:t>25/10/2017</a:t>
+              <a:t>26/10/2017</a:t>
             </a:fld>
             <a:endParaRPr lang="ca-AD"/>
           </a:p>
@@ -1203,7 +1208,7 @@
           <a:p>
             <a:fld id="{A5B301E8-B11C-466C-AC35-58E98D98688F}" type="datetimeFigureOut">
               <a:rPr lang="ca-AD" smtClean="0"/>
-              <a:t>25/10/2017</a:t>
+              <a:t>26/10/2017</a:t>
             </a:fld>
             <a:endParaRPr lang="ca-AD"/>
           </a:p>
@@ -1403,7 +1408,7 @@
           <a:p>
             <a:fld id="{A5B301E8-B11C-466C-AC35-58E98D98688F}" type="datetimeFigureOut">
               <a:rPr lang="ca-AD" smtClean="0"/>
-              <a:t>25/10/2017</a:t>
+              <a:t>26/10/2017</a:t>
             </a:fld>
             <a:endParaRPr lang="ca-AD"/>
           </a:p>
@@ -1679,7 +1684,7 @@
           <a:p>
             <a:fld id="{A5B301E8-B11C-466C-AC35-58E98D98688F}" type="datetimeFigureOut">
               <a:rPr lang="ca-AD" smtClean="0"/>
-              <a:t>25/10/2017</a:t>
+              <a:t>26/10/2017</a:t>
             </a:fld>
             <a:endParaRPr lang="ca-AD"/>
           </a:p>
@@ -1947,7 +1952,7 @@
           <a:p>
             <a:fld id="{A5B301E8-B11C-466C-AC35-58E98D98688F}" type="datetimeFigureOut">
               <a:rPr lang="ca-AD" smtClean="0"/>
-              <a:t>25/10/2017</a:t>
+              <a:t>26/10/2017</a:t>
             </a:fld>
             <a:endParaRPr lang="ca-AD"/>
           </a:p>
@@ -2362,7 +2367,7 @@
           <a:p>
             <a:fld id="{A5B301E8-B11C-466C-AC35-58E98D98688F}" type="datetimeFigureOut">
               <a:rPr lang="ca-AD" smtClean="0"/>
-              <a:t>25/10/2017</a:t>
+              <a:t>26/10/2017</a:t>
             </a:fld>
             <a:endParaRPr lang="ca-AD"/>
           </a:p>
@@ -2504,7 +2509,7 @@
           <a:p>
             <a:fld id="{A5B301E8-B11C-466C-AC35-58E98D98688F}" type="datetimeFigureOut">
               <a:rPr lang="ca-AD" smtClean="0"/>
-              <a:t>25/10/2017</a:t>
+              <a:t>26/10/2017</a:t>
             </a:fld>
             <a:endParaRPr lang="ca-AD"/>
           </a:p>
@@ -2617,7 +2622,7 @@
           <a:p>
             <a:fld id="{A5B301E8-B11C-466C-AC35-58E98D98688F}" type="datetimeFigureOut">
               <a:rPr lang="ca-AD" smtClean="0"/>
-              <a:t>25/10/2017</a:t>
+              <a:t>26/10/2017</a:t>
             </a:fld>
             <a:endParaRPr lang="ca-AD"/>
           </a:p>
@@ -2930,7 +2935,7 @@
           <a:p>
             <a:fld id="{A5B301E8-B11C-466C-AC35-58E98D98688F}" type="datetimeFigureOut">
               <a:rPr lang="ca-AD" smtClean="0"/>
-              <a:t>25/10/2017</a:t>
+              <a:t>26/10/2017</a:t>
             </a:fld>
             <a:endParaRPr lang="ca-AD"/>
           </a:p>
@@ -3219,7 +3224,7 @@
           <a:p>
             <a:fld id="{A5B301E8-B11C-466C-AC35-58E98D98688F}" type="datetimeFigureOut">
               <a:rPr lang="ca-AD" smtClean="0"/>
-              <a:t>25/10/2017</a:t>
+              <a:t>26/10/2017</a:t>
             </a:fld>
             <a:endParaRPr lang="ca-AD"/>
           </a:p>
@@ -3462,7 +3467,7 @@
           <a:p>
             <a:fld id="{A5B301E8-B11C-466C-AC35-58E98D98688F}" type="datetimeFigureOut">
               <a:rPr lang="ca-AD" smtClean="0"/>
-              <a:t>25/10/2017</a:t>
+              <a:t>26/10/2017</a:t>
             </a:fld>
             <a:endParaRPr lang="ca-AD"/>
           </a:p>
@@ -3990,19 +3995,36 @@
           </a:bodyPr>
           <a:lstStyle/>
           <a:p>
-            <a:r>
-              <a:rPr lang="zh-CN" altLang="en-US" dirty="0"/>
+            <a:pPr algn="l"/>
+            <a:r>
+              <a:rPr lang="zh-CN" altLang="en-US" b="1" dirty="0">
+                <a:solidFill>
+                  <a:schemeClr val="accent6"/>
+                </a:solidFill>
+              </a:rPr>
               <a:t>一</a:t>
             </a:r>
             <a:r>
-              <a:rPr lang="en-US" altLang="zh-CN" dirty="0"/>
+              <a:rPr lang="en-US" altLang="zh-CN" b="1" dirty="0">
+                <a:solidFill>
+                  <a:schemeClr val="accent6"/>
+                </a:solidFill>
+              </a:rPr>
               <a:t>.</a:t>
             </a:r>
             <a:r>
-              <a:rPr lang="zh-CN" altLang="en-US" dirty="0"/>
+              <a:rPr lang="zh-CN" altLang="en-US" b="1" dirty="0">
+                <a:solidFill>
+                  <a:schemeClr val="accent6"/>
+                </a:solidFill>
+              </a:rPr>
               <a:t>准备</a:t>
             </a:r>
-            <a:endParaRPr lang="ca-AD" dirty="0"/>
+            <a:endParaRPr lang="ca-AD" b="1" dirty="0">
+              <a:solidFill>
+                <a:schemeClr val="accent6"/>
+              </a:solidFill>
+            </a:endParaRPr>
           </a:p>
         </p:txBody>
       </p:sp>
@@ -4142,20 +4164,35 @@
           <a:bodyPr/>
           <a:lstStyle/>
           <a:p>
-            <a:pPr algn="ctr"/>
-            <a:r>
-              <a:rPr lang="zh-CN" altLang="en-US" dirty="0"/>
+            <a:r>
+              <a:rPr lang="zh-CN" altLang="en-US" b="1" dirty="0">
+                <a:solidFill>
+                  <a:schemeClr val="accent6"/>
+                </a:solidFill>
+              </a:rPr>
               <a:t>二</a:t>
             </a:r>
             <a:r>
-              <a:rPr lang="en-US" altLang="zh-CN" dirty="0"/>
+              <a:rPr lang="en-US" altLang="zh-CN" b="1" dirty="0">
+                <a:solidFill>
+                  <a:schemeClr val="accent6"/>
+                </a:solidFill>
+              </a:rPr>
               <a:t>. </a:t>
             </a:r>
             <a:r>
-              <a:rPr lang="zh-CN" altLang="en-US" dirty="0"/>
+              <a:rPr lang="zh-CN" altLang="en-US" b="1" dirty="0">
+                <a:solidFill>
+                  <a:schemeClr val="accent6"/>
+                </a:solidFill>
+              </a:rPr>
               <a:t>内容大纲</a:t>
             </a:r>
-            <a:endParaRPr lang="ca-AD" dirty="0"/>
+            <a:endParaRPr lang="ca-AD" b="1" dirty="0">
+              <a:solidFill>
+                <a:schemeClr val="accent6"/>
+              </a:solidFill>
+            </a:endParaRPr>
           </a:p>
         </p:txBody>
       </p:sp>
@@ -4340,14 +4377,26 @@
           <a:lstStyle/>
           <a:p>
             <a:r>
-              <a:rPr lang="en-US" dirty="0"/>
+              <a:rPr lang="en-US" b="1" dirty="0">
+                <a:solidFill>
+                  <a:schemeClr val="accent6"/>
+                </a:solidFill>
+              </a:rPr>
               <a:t>Vue</a:t>
             </a:r>
             <a:r>
-              <a:rPr lang="zh-CN" altLang="en-US" dirty="0"/>
+              <a:rPr lang="zh-CN" altLang="en-US" b="1" dirty="0">
+                <a:solidFill>
+                  <a:schemeClr val="accent6"/>
+                </a:solidFill>
+              </a:rPr>
               <a:t>安装</a:t>
             </a:r>
-            <a:endParaRPr lang="ca-AD" dirty="0"/>
+            <a:endParaRPr lang="ca-AD" b="1" dirty="0">
+              <a:solidFill>
+                <a:schemeClr val="accent6"/>
+              </a:solidFill>
+            </a:endParaRPr>
           </a:p>
         </p:txBody>
       </p:sp>

--- a/VUE分享.pptx
+++ b/VUE分享.pptx
@@ -5,7 +5,7 @@
     <p:sldMasterId id="2147483648" r:id="rId1"/>
   </p:sldMasterIdLst>
   <p:notesMasterIdLst>
-    <p:notesMasterId r:id="rId11"/>
+    <p:notesMasterId r:id="rId15"/>
   </p:notesMasterIdLst>
   <p:sldIdLst>
     <p:sldId id="257" r:id="rId2"/>
@@ -17,6 +17,10 @@
     <p:sldId id="262" r:id="rId8"/>
     <p:sldId id="263" r:id="rId9"/>
     <p:sldId id="264" r:id="rId10"/>
+    <p:sldId id="265" r:id="rId11"/>
+    <p:sldId id="266" r:id="rId12"/>
+    <p:sldId id="267" r:id="rId13"/>
+    <p:sldId id="268" r:id="rId14"/>
   </p:sldIdLst>
   <p:sldSz cx="12192000" cy="6858000"/>
   <p:notesSz cx="6858000" cy="9144000"/>
@@ -209,7 +213,7 @@
           <a:p>
             <a:fld id="{143BEF56-6ED6-4832-8D90-1F0ECBAC2451}" type="datetimeFigureOut">
               <a:rPr lang="ca-AD" smtClean="0"/>
-              <a:t>26/10/2017</a:t>
+              <a:t>10/27/2017</a:t>
             </a:fld>
             <a:endParaRPr lang="ca-AD"/>
           </a:p>
@@ -798,7 +802,7 @@
           <a:p>
             <a:fld id="{A5B301E8-B11C-466C-AC35-58E98D98688F}" type="datetimeFigureOut">
               <a:rPr lang="ca-AD" smtClean="0"/>
-              <a:t>26/10/2017</a:t>
+              <a:t>10/27/2017</a:t>
             </a:fld>
             <a:endParaRPr lang="ca-AD"/>
           </a:p>
@@ -998,7 +1002,7 @@
           <a:p>
             <a:fld id="{A5B301E8-B11C-466C-AC35-58E98D98688F}" type="datetimeFigureOut">
               <a:rPr lang="ca-AD" smtClean="0"/>
-              <a:t>26/10/2017</a:t>
+              <a:t>10/27/2017</a:t>
             </a:fld>
             <a:endParaRPr lang="ca-AD"/>
           </a:p>
@@ -1208,7 +1212,7 @@
           <a:p>
             <a:fld id="{A5B301E8-B11C-466C-AC35-58E98D98688F}" type="datetimeFigureOut">
               <a:rPr lang="ca-AD" smtClean="0"/>
-              <a:t>26/10/2017</a:t>
+              <a:t>10/27/2017</a:t>
             </a:fld>
             <a:endParaRPr lang="ca-AD"/>
           </a:p>
@@ -1408,7 +1412,7 @@
           <a:p>
             <a:fld id="{A5B301E8-B11C-466C-AC35-58E98D98688F}" type="datetimeFigureOut">
               <a:rPr lang="ca-AD" smtClean="0"/>
-              <a:t>26/10/2017</a:t>
+              <a:t>10/27/2017</a:t>
             </a:fld>
             <a:endParaRPr lang="ca-AD"/>
           </a:p>
@@ -1684,7 +1688,7 @@
           <a:p>
             <a:fld id="{A5B301E8-B11C-466C-AC35-58E98D98688F}" type="datetimeFigureOut">
               <a:rPr lang="ca-AD" smtClean="0"/>
-              <a:t>26/10/2017</a:t>
+              <a:t>10/27/2017</a:t>
             </a:fld>
             <a:endParaRPr lang="ca-AD"/>
           </a:p>
@@ -1952,7 +1956,7 @@
           <a:p>
             <a:fld id="{A5B301E8-B11C-466C-AC35-58E98D98688F}" type="datetimeFigureOut">
               <a:rPr lang="ca-AD" smtClean="0"/>
-              <a:t>26/10/2017</a:t>
+              <a:t>10/27/2017</a:t>
             </a:fld>
             <a:endParaRPr lang="ca-AD"/>
           </a:p>
@@ -2367,7 +2371,7 @@
           <a:p>
             <a:fld id="{A5B301E8-B11C-466C-AC35-58E98D98688F}" type="datetimeFigureOut">
               <a:rPr lang="ca-AD" smtClean="0"/>
-              <a:t>26/10/2017</a:t>
+              <a:t>10/27/2017</a:t>
             </a:fld>
             <a:endParaRPr lang="ca-AD"/>
           </a:p>
@@ -2509,7 +2513,7 @@
           <a:p>
             <a:fld id="{A5B301E8-B11C-466C-AC35-58E98D98688F}" type="datetimeFigureOut">
               <a:rPr lang="ca-AD" smtClean="0"/>
-              <a:t>26/10/2017</a:t>
+              <a:t>10/27/2017</a:t>
             </a:fld>
             <a:endParaRPr lang="ca-AD"/>
           </a:p>
@@ -2622,7 +2626,7 @@
           <a:p>
             <a:fld id="{A5B301E8-B11C-466C-AC35-58E98D98688F}" type="datetimeFigureOut">
               <a:rPr lang="ca-AD" smtClean="0"/>
-              <a:t>26/10/2017</a:t>
+              <a:t>10/27/2017</a:t>
             </a:fld>
             <a:endParaRPr lang="ca-AD"/>
           </a:p>
@@ -2935,7 +2939,7 @@
           <a:p>
             <a:fld id="{A5B301E8-B11C-466C-AC35-58E98D98688F}" type="datetimeFigureOut">
               <a:rPr lang="ca-AD" smtClean="0"/>
-              <a:t>26/10/2017</a:t>
+              <a:t>10/27/2017</a:t>
             </a:fld>
             <a:endParaRPr lang="ca-AD"/>
           </a:p>
@@ -3224,7 +3228,7 @@
           <a:p>
             <a:fld id="{A5B301E8-B11C-466C-AC35-58E98D98688F}" type="datetimeFigureOut">
               <a:rPr lang="ca-AD" smtClean="0"/>
-              <a:t>26/10/2017</a:t>
+              <a:t>10/27/2017</a:t>
             </a:fld>
             <a:endParaRPr lang="ca-AD"/>
           </a:p>
@@ -3467,7 +3471,7 @@
           <a:p>
             <a:fld id="{A5B301E8-B11C-466C-AC35-58E98D98688F}" type="datetimeFigureOut">
               <a:rPr lang="ca-AD" smtClean="0"/>
-              <a:t>26/10/2017</a:t>
+              <a:t>10/27/2017</a:t>
             </a:fld>
             <a:endParaRPr lang="ca-AD"/>
           </a:p>
@@ -3950,6 +3954,1560 @@
 </p:sld>
 </file>
 
+<file path=ppt/slides/slide10.xml><?xml version="1.0" encoding="utf-8"?>
+<p:sld xmlns:a="http://schemas.openxmlformats.org/drawingml/2006/main" xmlns:r="http://schemas.openxmlformats.org/officeDocument/2006/relationships" xmlns:p="http://schemas.openxmlformats.org/presentationml/2006/main">
+  <p:cSld>
+    <p:spTree>
+      <p:nvGrpSpPr>
+        <p:cNvPr id="1" name=""/>
+        <p:cNvGrpSpPr/>
+        <p:nvPr/>
+      </p:nvGrpSpPr>
+      <p:grpSpPr>
+        <a:xfrm>
+          <a:off x="0" y="0"/>
+          <a:ext cx="0" cy="0"/>
+          <a:chOff x="0" y="0"/>
+          <a:chExt cx="0" cy="0"/>
+        </a:xfrm>
+      </p:grpSpPr>
+      <p:sp>
+        <p:nvSpPr>
+          <p:cNvPr id="6" name="标题 1">
+            <a:extLst>
+              <a:ext uri="{FF2B5EF4-FFF2-40B4-BE49-F238E27FC236}">
+                <a16:creationId xmlns:a16="http://schemas.microsoft.com/office/drawing/2014/main" id="{0EF5F7A5-5766-43E8-BEAE-2812B67E3A58}"/>
+              </a:ext>
+            </a:extLst>
+          </p:cNvPr>
+          <p:cNvSpPr txBox="1">
+            <a:spLocks/>
+          </p:cNvSpPr>
+          <p:nvPr/>
+        </p:nvSpPr>
+        <p:spPr>
+          <a:xfrm>
+            <a:off x="1524000" y="740623"/>
+            <a:ext cx="9144000" cy="821847"/>
+          </a:xfrm>
+          <a:prstGeom prst="rect">
+            <a:avLst/>
+          </a:prstGeom>
+        </p:spPr>
+        <p:txBody>
+          <a:bodyPr vert="horz" lIns="91440" tIns="45720" rIns="91440" bIns="45720" rtlCol="0" anchor="ctr">
+            <a:normAutofit fontScale="97500"/>
+          </a:bodyPr>
+          <a:lstStyle>
+            <a:lvl1pPr algn="l" defTabSz="914400" rtl="0" eaLnBrk="1" latinLnBrk="0" hangingPunct="1">
+              <a:lnSpc>
+                <a:spcPct val="90000"/>
+              </a:lnSpc>
+              <a:spcBef>
+                <a:spcPct val="0"/>
+              </a:spcBef>
+              <a:buNone/>
+              <a:defRPr sz="4400" kern="1200">
+                <a:solidFill>
+                  <a:schemeClr val="tx1"/>
+                </a:solidFill>
+                <a:latin typeface="+mj-lt"/>
+                <a:ea typeface="+mj-ea"/>
+                <a:cs typeface="+mj-cs"/>
+              </a:defRPr>
+            </a:lvl1pPr>
+          </a:lstStyle>
+          <a:p>
+            <a:r>
+              <a:rPr lang="en-US" altLang="zh-CN" b="1" dirty="0">
+                <a:solidFill>
+                  <a:schemeClr val="accent6"/>
+                </a:solidFill>
+              </a:rPr>
+              <a:t>Vuex</a:t>
+            </a:r>
+            <a:r>
+              <a:rPr lang="zh-CN" altLang="en-US" b="1" dirty="0">
+                <a:solidFill>
+                  <a:schemeClr val="accent6"/>
+                </a:solidFill>
+              </a:rPr>
+              <a:t>概要</a:t>
+            </a:r>
+            <a:endParaRPr lang="en-US" b="1" dirty="0">
+              <a:solidFill>
+                <a:schemeClr val="accent6"/>
+              </a:solidFill>
+            </a:endParaRPr>
+          </a:p>
+        </p:txBody>
+      </p:sp>
+      <p:sp>
+        <p:nvSpPr>
+          <p:cNvPr id="7" name="副标题 2">
+            <a:extLst>
+              <a:ext uri="{FF2B5EF4-FFF2-40B4-BE49-F238E27FC236}">
+                <a16:creationId xmlns:a16="http://schemas.microsoft.com/office/drawing/2014/main" id="{6AF142CE-003A-4751-8690-C9B5D5601CEB}"/>
+              </a:ext>
+            </a:extLst>
+          </p:cNvPr>
+          <p:cNvSpPr txBox="1">
+            <a:spLocks/>
+          </p:cNvSpPr>
+          <p:nvPr/>
+        </p:nvSpPr>
+        <p:spPr>
+          <a:xfrm>
+            <a:off x="1524000" y="2201662"/>
+            <a:ext cx="9144000" cy="3056138"/>
+          </a:xfrm>
+          <a:prstGeom prst="rect">
+            <a:avLst/>
+          </a:prstGeom>
+        </p:spPr>
+        <p:txBody>
+          <a:bodyPr vert="horz" lIns="91440" tIns="45720" rIns="91440" bIns="45720" rtlCol="0">
+            <a:normAutofit/>
+          </a:bodyPr>
+          <a:lstStyle>
+            <a:lvl1pPr marL="228600" indent="-228600" algn="l" defTabSz="914400" rtl="0" eaLnBrk="1" latinLnBrk="0" hangingPunct="1">
+              <a:lnSpc>
+                <a:spcPct val="90000"/>
+              </a:lnSpc>
+              <a:spcBef>
+                <a:spcPts val="1000"/>
+              </a:spcBef>
+              <a:buFont typeface="Arial" panose="020B0604020202020204" pitchFamily="34" charset="0"/>
+              <a:buChar char="•"/>
+              <a:defRPr sz="2800" kern="1200">
+                <a:solidFill>
+                  <a:schemeClr val="tx1"/>
+                </a:solidFill>
+                <a:latin typeface="+mn-lt"/>
+                <a:ea typeface="+mn-ea"/>
+                <a:cs typeface="+mn-cs"/>
+              </a:defRPr>
+            </a:lvl1pPr>
+            <a:lvl2pPr marL="685800" indent="-228600" algn="l" defTabSz="914400" rtl="0" eaLnBrk="1" latinLnBrk="0" hangingPunct="1">
+              <a:lnSpc>
+                <a:spcPct val="90000"/>
+              </a:lnSpc>
+              <a:spcBef>
+                <a:spcPts val="500"/>
+              </a:spcBef>
+              <a:buFont typeface="Arial" panose="020B0604020202020204" pitchFamily="34" charset="0"/>
+              <a:buChar char="•"/>
+              <a:defRPr sz="2400" kern="1200">
+                <a:solidFill>
+                  <a:schemeClr val="tx1"/>
+                </a:solidFill>
+                <a:latin typeface="+mn-lt"/>
+                <a:ea typeface="+mn-ea"/>
+                <a:cs typeface="+mn-cs"/>
+              </a:defRPr>
+            </a:lvl2pPr>
+            <a:lvl3pPr marL="1143000" indent="-228600" algn="l" defTabSz="914400" rtl="0" eaLnBrk="1" latinLnBrk="0" hangingPunct="1">
+              <a:lnSpc>
+                <a:spcPct val="90000"/>
+              </a:lnSpc>
+              <a:spcBef>
+                <a:spcPts val="500"/>
+              </a:spcBef>
+              <a:buFont typeface="Arial" panose="020B0604020202020204" pitchFamily="34" charset="0"/>
+              <a:buChar char="•"/>
+              <a:defRPr sz="2000" kern="1200">
+                <a:solidFill>
+                  <a:schemeClr val="tx1"/>
+                </a:solidFill>
+                <a:latin typeface="+mn-lt"/>
+                <a:ea typeface="+mn-ea"/>
+                <a:cs typeface="+mn-cs"/>
+              </a:defRPr>
+            </a:lvl3pPr>
+            <a:lvl4pPr marL="1600200" indent="-228600" algn="l" defTabSz="914400" rtl="0" eaLnBrk="1" latinLnBrk="0" hangingPunct="1">
+              <a:lnSpc>
+                <a:spcPct val="90000"/>
+              </a:lnSpc>
+              <a:spcBef>
+                <a:spcPts val="500"/>
+              </a:spcBef>
+              <a:buFont typeface="Arial" panose="020B0604020202020204" pitchFamily="34" charset="0"/>
+              <a:buChar char="•"/>
+              <a:defRPr sz="1800" kern="1200">
+                <a:solidFill>
+                  <a:schemeClr val="tx1"/>
+                </a:solidFill>
+                <a:latin typeface="+mn-lt"/>
+                <a:ea typeface="+mn-ea"/>
+                <a:cs typeface="+mn-cs"/>
+              </a:defRPr>
+            </a:lvl4pPr>
+            <a:lvl5pPr marL="2057400" indent="-228600" algn="l" defTabSz="914400" rtl="0" eaLnBrk="1" latinLnBrk="0" hangingPunct="1">
+              <a:lnSpc>
+                <a:spcPct val="90000"/>
+              </a:lnSpc>
+              <a:spcBef>
+                <a:spcPts val="500"/>
+              </a:spcBef>
+              <a:buFont typeface="Arial" panose="020B0604020202020204" pitchFamily="34" charset="0"/>
+              <a:buChar char="•"/>
+              <a:defRPr sz="1800" kern="1200">
+                <a:solidFill>
+                  <a:schemeClr val="tx1"/>
+                </a:solidFill>
+                <a:latin typeface="+mn-lt"/>
+                <a:ea typeface="+mn-ea"/>
+                <a:cs typeface="+mn-cs"/>
+              </a:defRPr>
+            </a:lvl5pPr>
+            <a:lvl6pPr marL="2514600" indent="-228600" algn="l" defTabSz="914400" rtl="0" eaLnBrk="1" latinLnBrk="0" hangingPunct="1">
+              <a:lnSpc>
+                <a:spcPct val="90000"/>
+              </a:lnSpc>
+              <a:spcBef>
+                <a:spcPts val="500"/>
+              </a:spcBef>
+              <a:buFont typeface="Arial" panose="020B0604020202020204" pitchFamily="34" charset="0"/>
+              <a:buChar char="•"/>
+              <a:defRPr sz="1800" kern="1200">
+                <a:solidFill>
+                  <a:schemeClr val="tx1"/>
+                </a:solidFill>
+                <a:latin typeface="+mn-lt"/>
+                <a:ea typeface="+mn-ea"/>
+                <a:cs typeface="+mn-cs"/>
+              </a:defRPr>
+            </a:lvl6pPr>
+            <a:lvl7pPr marL="2971800" indent="-228600" algn="l" defTabSz="914400" rtl="0" eaLnBrk="1" latinLnBrk="0" hangingPunct="1">
+              <a:lnSpc>
+                <a:spcPct val="90000"/>
+              </a:lnSpc>
+              <a:spcBef>
+                <a:spcPts val="500"/>
+              </a:spcBef>
+              <a:buFont typeface="Arial" panose="020B0604020202020204" pitchFamily="34" charset="0"/>
+              <a:buChar char="•"/>
+              <a:defRPr sz="1800" kern="1200">
+                <a:solidFill>
+                  <a:schemeClr val="tx1"/>
+                </a:solidFill>
+                <a:latin typeface="+mn-lt"/>
+                <a:ea typeface="+mn-ea"/>
+                <a:cs typeface="+mn-cs"/>
+              </a:defRPr>
+            </a:lvl7pPr>
+            <a:lvl8pPr marL="3429000" indent="-228600" algn="l" defTabSz="914400" rtl="0" eaLnBrk="1" latinLnBrk="0" hangingPunct="1">
+              <a:lnSpc>
+                <a:spcPct val="90000"/>
+              </a:lnSpc>
+              <a:spcBef>
+                <a:spcPts val="500"/>
+              </a:spcBef>
+              <a:buFont typeface="Arial" panose="020B0604020202020204" pitchFamily="34" charset="0"/>
+              <a:buChar char="•"/>
+              <a:defRPr sz="1800" kern="1200">
+                <a:solidFill>
+                  <a:schemeClr val="tx1"/>
+                </a:solidFill>
+                <a:latin typeface="+mn-lt"/>
+                <a:ea typeface="+mn-ea"/>
+                <a:cs typeface="+mn-cs"/>
+              </a:defRPr>
+            </a:lvl8pPr>
+            <a:lvl9pPr marL="3886200" indent="-228600" algn="l" defTabSz="914400" rtl="0" eaLnBrk="1" latinLnBrk="0" hangingPunct="1">
+              <a:lnSpc>
+                <a:spcPct val="90000"/>
+              </a:lnSpc>
+              <a:spcBef>
+                <a:spcPts val="500"/>
+              </a:spcBef>
+              <a:buFont typeface="Arial" panose="020B0604020202020204" pitchFamily="34" charset="0"/>
+              <a:buChar char="•"/>
+              <a:defRPr sz="1800" kern="1200">
+                <a:solidFill>
+                  <a:schemeClr val="tx1"/>
+                </a:solidFill>
+                <a:latin typeface="+mn-lt"/>
+                <a:ea typeface="+mn-ea"/>
+                <a:cs typeface="+mn-cs"/>
+              </a:defRPr>
+            </a:lvl9pPr>
+          </a:lstStyle>
+          <a:p>
+            <a:pPr marL="0" indent="0">
+              <a:buNone/>
+            </a:pPr>
+            <a:r>
+              <a:rPr lang="en-US" altLang="zh-CN" dirty="0"/>
+              <a:t>Vuex </a:t>
+            </a:r>
+            <a:r>
+              <a:rPr lang="zh-CN" altLang="en-US" dirty="0"/>
+              <a:t>是一个专为 </a:t>
+            </a:r>
+            <a:r>
+              <a:rPr lang="en-US" altLang="zh-CN" dirty="0"/>
+              <a:t>Vue.js </a:t>
+            </a:r>
+            <a:r>
+              <a:rPr lang="zh-CN" altLang="en-US" dirty="0"/>
+              <a:t>应用程序开发的</a:t>
+            </a:r>
+            <a:r>
+              <a:rPr lang="zh-CN" altLang="en-US" b="1" dirty="0"/>
+              <a:t>状态管理模式</a:t>
+            </a:r>
+            <a:r>
+              <a:rPr lang="zh-CN" altLang="en-US" dirty="0"/>
+              <a:t>。它采用集中式存储管理应用的所有组件的状态，并以相应的规则保证状态以一种可预测的方式发生变化</a:t>
+            </a:r>
+            <a:endParaRPr lang="en-US" altLang="zh-CN" dirty="0"/>
+          </a:p>
+          <a:p>
+            <a:pPr marL="0" indent="0">
+              <a:buNone/>
+            </a:pPr>
+            <a:endParaRPr lang="en-US" altLang="zh-CN" dirty="0"/>
+          </a:p>
+          <a:p>
+            <a:pPr marL="0" indent="0">
+              <a:buNone/>
+            </a:pPr>
+            <a:r>
+              <a:rPr lang="en-US" altLang="zh-CN" dirty="0">
+                <a:hlinkClick r:id="rId2"/>
+              </a:rPr>
+              <a:t>https://vuex.vuejs.org/zh-cn/intro.html</a:t>
+            </a:r>
+            <a:endParaRPr lang="en-US" dirty="0"/>
+          </a:p>
+        </p:txBody>
+      </p:sp>
+    </p:spTree>
+    <p:extLst>
+      <p:ext uri="{BB962C8B-B14F-4D97-AF65-F5344CB8AC3E}">
+        <p14:creationId xmlns:p14="http://schemas.microsoft.com/office/powerpoint/2010/main" val="2005856626"/>
+      </p:ext>
+    </p:extLst>
+  </p:cSld>
+  <p:clrMapOvr>
+    <a:masterClrMapping/>
+  </p:clrMapOvr>
+</p:sld>
+</file>
+
+<file path=ppt/slides/slide11.xml><?xml version="1.0" encoding="utf-8"?>
+<p:sld xmlns:a="http://schemas.openxmlformats.org/drawingml/2006/main" xmlns:r="http://schemas.openxmlformats.org/officeDocument/2006/relationships" xmlns:p="http://schemas.openxmlformats.org/presentationml/2006/main">
+  <p:cSld>
+    <p:spTree>
+      <p:nvGrpSpPr>
+        <p:cNvPr id="1" name=""/>
+        <p:cNvGrpSpPr/>
+        <p:nvPr/>
+      </p:nvGrpSpPr>
+      <p:grpSpPr>
+        <a:xfrm>
+          <a:off x="0" y="0"/>
+          <a:ext cx="0" cy="0"/>
+          <a:chOff x="0" y="0"/>
+          <a:chExt cx="0" cy="0"/>
+        </a:xfrm>
+      </p:grpSpPr>
+      <p:sp>
+        <p:nvSpPr>
+          <p:cNvPr id="4" name="标题 1">
+            <a:extLst>
+              <a:ext uri="{FF2B5EF4-FFF2-40B4-BE49-F238E27FC236}">
+                <a16:creationId xmlns:a16="http://schemas.microsoft.com/office/drawing/2014/main" id="{67A3EEDC-963D-45C1-9796-633D20BE4026}"/>
+              </a:ext>
+            </a:extLst>
+          </p:cNvPr>
+          <p:cNvSpPr txBox="1">
+            <a:spLocks/>
+          </p:cNvSpPr>
+          <p:nvPr/>
+        </p:nvSpPr>
+        <p:spPr>
+          <a:xfrm>
+            <a:off x="1524000" y="740623"/>
+            <a:ext cx="9144000" cy="821847"/>
+          </a:xfrm>
+          <a:prstGeom prst="rect">
+            <a:avLst/>
+          </a:prstGeom>
+        </p:spPr>
+        <p:txBody>
+          <a:bodyPr vert="horz" lIns="91440" tIns="45720" rIns="91440" bIns="45720" rtlCol="0" anchor="ctr">
+            <a:normAutofit fontScale="97500"/>
+          </a:bodyPr>
+          <a:lstStyle>
+            <a:lvl1pPr algn="l" defTabSz="914400" rtl="0" eaLnBrk="1" latinLnBrk="0" hangingPunct="1">
+              <a:lnSpc>
+                <a:spcPct val="90000"/>
+              </a:lnSpc>
+              <a:spcBef>
+                <a:spcPct val="0"/>
+              </a:spcBef>
+              <a:buNone/>
+              <a:defRPr sz="4400" kern="1200">
+                <a:solidFill>
+                  <a:schemeClr val="tx1"/>
+                </a:solidFill>
+                <a:latin typeface="+mj-lt"/>
+                <a:ea typeface="+mj-ea"/>
+                <a:cs typeface="+mj-cs"/>
+              </a:defRPr>
+            </a:lvl1pPr>
+          </a:lstStyle>
+          <a:p>
+            <a:r>
+              <a:rPr lang="en-US" altLang="zh-CN" b="1" dirty="0">
+                <a:solidFill>
+                  <a:schemeClr val="accent6"/>
+                </a:solidFill>
+              </a:rPr>
+              <a:t>axios</a:t>
+            </a:r>
+            <a:r>
+              <a:rPr lang="zh-CN" altLang="en-US" b="1" dirty="0">
+                <a:solidFill>
+                  <a:schemeClr val="accent6"/>
+                </a:solidFill>
+              </a:rPr>
+              <a:t>前后台交互</a:t>
+            </a:r>
+            <a:endParaRPr lang="en-US" b="1" dirty="0">
+              <a:solidFill>
+                <a:schemeClr val="accent6"/>
+              </a:solidFill>
+            </a:endParaRPr>
+          </a:p>
+        </p:txBody>
+      </p:sp>
+      <p:sp>
+        <p:nvSpPr>
+          <p:cNvPr id="5" name="副标题 2">
+            <a:extLst>
+              <a:ext uri="{FF2B5EF4-FFF2-40B4-BE49-F238E27FC236}">
+                <a16:creationId xmlns:a16="http://schemas.microsoft.com/office/drawing/2014/main" id="{16958D7E-183C-4C86-BA5C-D60D5376DA4D}"/>
+              </a:ext>
+            </a:extLst>
+          </p:cNvPr>
+          <p:cNvSpPr txBox="1">
+            <a:spLocks/>
+          </p:cNvSpPr>
+          <p:nvPr/>
+        </p:nvSpPr>
+        <p:spPr>
+          <a:xfrm>
+            <a:off x="1319814" y="1562470"/>
+            <a:ext cx="9144000" cy="4163627"/>
+          </a:xfrm>
+          <a:prstGeom prst="rect">
+            <a:avLst/>
+          </a:prstGeom>
+        </p:spPr>
+        <p:txBody>
+          <a:bodyPr vert="horz" lIns="91440" tIns="45720" rIns="91440" bIns="45720" rtlCol="0">
+            <a:normAutofit fontScale="70000" lnSpcReduction="20000"/>
+          </a:bodyPr>
+          <a:lstStyle>
+            <a:lvl1pPr marL="228600" indent="-228600" algn="l" defTabSz="914400" rtl="0" eaLnBrk="1" latinLnBrk="0" hangingPunct="1">
+              <a:lnSpc>
+                <a:spcPct val="90000"/>
+              </a:lnSpc>
+              <a:spcBef>
+                <a:spcPts val="1000"/>
+              </a:spcBef>
+              <a:buFont typeface="Arial" panose="020B0604020202020204" pitchFamily="34" charset="0"/>
+              <a:buChar char="•"/>
+              <a:defRPr sz="2800" kern="1200">
+                <a:solidFill>
+                  <a:schemeClr val="tx1"/>
+                </a:solidFill>
+                <a:latin typeface="+mn-lt"/>
+                <a:ea typeface="+mn-ea"/>
+                <a:cs typeface="+mn-cs"/>
+              </a:defRPr>
+            </a:lvl1pPr>
+            <a:lvl2pPr marL="685800" indent="-228600" algn="l" defTabSz="914400" rtl="0" eaLnBrk="1" latinLnBrk="0" hangingPunct="1">
+              <a:lnSpc>
+                <a:spcPct val="90000"/>
+              </a:lnSpc>
+              <a:spcBef>
+                <a:spcPts val="500"/>
+              </a:spcBef>
+              <a:buFont typeface="Arial" panose="020B0604020202020204" pitchFamily="34" charset="0"/>
+              <a:buChar char="•"/>
+              <a:defRPr sz="2400" kern="1200">
+                <a:solidFill>
+                  <a:schemeClr val="tx1"/>
+                </a:solidFill>
+                <a:latin typeface="+mn-lt"/>
+                <a:ea typeface="+mn-ea"/>
+                <a:cs typeface="+mn-cs"/>
+              </a:defRPr>
+            </a:lvl2pPr>
+            <a:lvl3pPr marL="1143000" indent="-228600" algn="l" defTabSz="914400" rtl="0" eaLnBrk="1" latinLnBrk="0" hangingPunct="1">
+              <a:lnSpc>
+                <a:spcPct val="90000"/>
+              </a:lnSpc>
+              <a:spcBef>
+                <a:spcPts val="500"/>
+              </a:spcBef>
+              <a:buFont typeface="Arial" panose="020B0604020202020204" pitchFamily="34" charset="0"/>
+              <a:buChar char="•"/>
+              <a:defRPr sz="2000" kern="1200">
+                <a:solidFill>
+                  <a:schemeClr val="tx1"/>
+                </a:solidFill>
+                <a:latin typeface="+mn-lt"/>
+                <a:ea typeface="+mn-ea"/>
+                <a:cs typeface="+mn-cs"/>
+              </a:defRPr>
+            </a:lvl3pPr>
+            <a:lvl4pPr marL="1600200" indent="-228600" algn="l" defTabSz="914400" rtl="0" eaLnBrk="1" latinLnBrk="0" hangingPunct="1">
+              <a:lnSpc>
+                <a:spcPct val="90000"/>
+              </a:lnSpc>
+              <a:spcBef>
+                <a:spcPts val="500"/>
+              </a:spcBef>
+              <a:buFont typeface="Arial" panose="020B0604020202020204" pitchFamily="34" charset="0"/>
+              <a:buChar char="•"/>
+              <a:defRPr sz="1800" kern="1200">
+                <a:solidFill>
+                  <a:schemeClr val="tx1"/>
+                </a:solidFill>
+                <a:latin typeface="+mn-lt"/>
+                <a:ea typeface="+mn-ea"/>
+                <a:cs typeface="+mn-cs"/>
+              </a:defRPr>
+            </a:lvl4pPr>
+            <a:lvl5pPr marL="2057400" indent="-228600" algn="l" defTabSz="914400" rtl="0" eaLnBrk="1" latinLnBrk="0" hangingPunct="1">
+              <a:lnSpc>
+                <a:spcPct val="90000"/>
+              </a:lnSpc>
+              <a:spcBef>
+                <a:spcPts val="500"/>
+              </a:spcBef>
+              <a:buFont typeface="Arial" panose="020B0604020202020204" pitchFamily="34" charset="0"/>
+              <a:buChar char="•"/>
+              <a:defRPr sz="1800" kern="1200">
+                <a:solidFill>
+                  <a:schemeClr val="tx1"/>
+                </a:solidFill>
+                <a:latin typeface="+mn-lt"/>
+                <a:ea typeface="+mn-ea"/>
+                <a:cs typeface="+mn-cs"/>
+              </a:defRPr>
+            </a:lvl5pPr>
+            <a:lvl6pPr marL="2514600" indent="-228600" algn="l" defTabSz="914400" rtl="0" eaLnBrk="1" latinLnBrk="0" hangingPunct="1">
+              <a:lnSpc>
+                <a:spcPct val="90000"/>
+              </a:lnSpc>
+              <a:spcBef>
+                <a:spcPts val="500"/>
+              </a:spcBef>
+              <a:buFont typeface="Arial" panose="020B0604020202020204" pitchFamily="34" charset="0"/>
+              <a:buChar char="•"/>
+              <a:defRPr sz="1800" kern="1200">
+                <a:solidFill>
+                  <a:schemeClr val="tx1"/>
+                </a:solidFill>
+                <a:latin typeface="+mn-lt"/>
+                <a:ea typeface="+mn-ea"/>
+                <a:cs typeface="+mn-cs"/>
+              </a:defRPr>
+            </a:lvl6pPr>
+            <a:lvl7pPr marL="2971800" indent="-228600" algn="l" defTabSz="914400" rtl="0" eaLnBrk="1" latinLnBrk="0" hangingPunct="1">
+              <a:lnSpc>
+                <a:spcPct val="90000"/>
+              </a:lnSpc>
+              <a:spcBef>
+                <a:spcPts val="500"/>
+              </a:spcBef>
+              <a:buFont typeface="Arial" panose="020B0604020202020204" pitchFamily="34" charset="0"/>
+              <a:buChar char="•"/>
+              <a:defRPr sz="1800" kern="1200">
+                <a:solidFill>
+                  <a:schemeClr val="tx1"/>
+                </a:solidFill>
+                <a:latin typeface="+mn-lt"/>
+                <a:ea typeface="+mn-ea"/>
+                <a:cs typeface="+mn-cs"/>
+              </a:defRPr>
+            </a:lvl7pPr>
+            <a:lvl8pPr marL="3429000" indent="-228600" algn="l" defTabSz="914400" rtl="0" eaLnBrk="1" latinLnBrk="0" hangingPunct="1">
+              <a:lnSpc>
+                <a:spcPct val="90000"/>
+              </a:lnSpc>
+              <a:spcBef>
+                <a:spcPts val="500"/>
+              </a:spcBef>
+              <a:buFont typeface="Arial" panose="020B0604020202020204" pitchFamily="34" charset="0"/>
+              <a:buChar char="•"/>
+              <a:defRPr sz="1800" kern="1200">
+                <a:solidFill>
+                  <a:schemeClr val="tx1"/>
+                </a:solidFill>
+                <a:latin typeface="+mn-lt"/>
+                <a:ea typeface="+mn-ea"/>
+                <a:cs typeface="+mn-cs"/>
+              </a:defRPr>
+            </a:lvl8pPr>
+            <a:lvl9pPr marL="3886200" indent="-228600" algn="l" defTabSz="914400" rtl="0" eaLnBrk="1" latinLnBrk="0" hangingPunct="1">
+              <a:lnSpc>
+                <a:spcPct val="90000"/>
+              </a:lnSpc>
+              <a:spcBef>
+                <a:spcPts val="500"/>
+              </a:spcBef>
+              <a:buFont typeface="Arial" panose="020B0604020202020204" pitchFamily="34" charset="0"/>
+              <a:buChar char="•"/>
+              <a:defRPr sz="1800" kern="1200">
+                <a:solidFill>
+                  <a:schemeClr val="tx1"/>
+                </a:solidFill>
+                <a:latin typeface="+mn-lt"/>
+                <a:ea typeface="+mn-ea"/>
+                <a:cs typeface="+mn-cs"/>
+              </a:defRPr>
+            </a:lvl9pPr>
+          </a:lstStyle>
+          <a:p>
+            <a:pPr marL="0" indent="0">
+              <a:buNone/>
+            </a:pPr>
+            <a:endParaRPr lang="en-US" altLang="zh-CN" dirty="0"/>
+          </a:p>
+          <a:p>
+            <a:pPr marL="0" indent="0">
+              <a:buNone/>
+            </a:pPr>
+            <a:endParaRPr lang="en-US" altLang="zh-CN" dirty="0"/>
+          </a:p>
+          <a:p>
+            <a:r>
+              <a:rPr lang="zh-CN" altLang="en-US" dirty="0"/>
+              <a:t>浏览器端发起</a:t>
+            </a:r>
+            <a:r>
+              <a:rPr lang="en-US" altLang="zh-CN" dirty="0"/>
+              <a:t>XMLHttpRequests</a:t>
+            </a:r>
+            <a:r>
+              <a:rPr lang="zh-CN" altLang="en-US" dirty="0"/>
+              <a:t>请求</a:t>
+            </a:r>
+          </a:p>
+          <a:p>
+            <a:r>
+              <a:rPr lang="en-US" altLang="zh-CN" dirty="0"/>
+              <a:t>Node</a:t>
+            </a:r>
+            <a:r>
+              <a:rPr lang="zh-CN" altLang="en-US" dirty="0"/>
+              <a:t>端发起</a:t>
+            </a:r>
+            <a:r>
+              <a:rPr lang="en-US" altLang="zh-CN" dirty="0"/>
+              <a:t>http</a:t>
+            </a:r>
+            <a:r>
+              <a:rPr lang="zh-CN" altLang="en-US" dirty="0"/>
+              <a:t>请求</a:t>
+            </a:r>
+          </a:p>
+          <a:p>
+            <a:r>
+              <a:rPr lang="zh-CN" altLang="en-US" dirty="0"/>
+              <a:t>支持</a:t>
+            </a:r>
+            <a:r>
+              <a:rPr lang="en-US" altLang="zh-CN" dirty="0"/>
+              <a:t>Promise API</a:t>
+            </a:r>
+          </a:p>
+          <a:p>
+            <a:r>
+              <a:rPr lang="zh-CN" altLang="en-US" dirty="0"/>
+              <a:t>拦截请求和返回</a:t>
+            </a:r>
+          </a:p>
+          <a:p>
+            <a:r>
+              <a:rPr lang="zh-CN" altLang="en-US" dirty="0"/>
+              <a:t>转化请求和返回（数据）</a:t>
+            </a:r>
+          </a:p>
+          <a:p>
+            <a:r>
+              <a:rPr lang="zh-CN" altLang="en-US" dirty="0"/>
+              <a:t>取消请求</a:t>
+            </a:r>
+          </a:p>
+          <a:p>
+            <a:r>
+              <a:rPr lang="zh-CN" altLang="en-US" dirty="0"/>
+              <a:t>自动转化</a:t>
+            </a:r>
+            <a:r>
+              <a:rPr lang="en-US" altLang="zh-CN" dirty="0"/>
+              <a:t>json</a:t>
+            </a:r>
+            <a:r>
+              <a:rPr lang="zh-CN" altLang="en-US" dirty="0"/>
+              <a:t>数据</a:t>
+            </a:r>
+          </a:p>
+          <a:p>
+            <a:r>
+              <a:rPr lang="zh-CN" altLang="en-US" dirty="0"/>
+              <a:t>客户端支持抵御</a:t>
+            </a:r>
+            <a:r>
+              <a:rPr lang="en-US" altLang="zh-CN" dirty="0">
+                <a:hlinkClick r:id="rId2"/>
+              </a:rPr>
+              <a:t>XSRF</a:t>
+            </a:r>
+            <a:r>
+              <a:rPr lang="zh-CN" altLang="en-US" dirty="0">
+                <a:hlinkClick r:id="rId2"/>
+              </a:rPr>
+              <a:t>（跨站请求伪造）</a:t>
+            </a:r>
+            <a:endParaRPr lang="en-US" altLang="zh-CN" dirty="0"/>
+          </a:p>
+          <a:p>
+            <a:pPr marL="0" indent="0">
+              <a:buNone/>
+            </a:pPr>
+            <a:endParaRPr lang="en-US" altLang="zh-CN" dirty="0"/>
+          </a:p>
+          <a:p>
+            <a:pPr marL="0" indent="0">
+              <a:buNone/>
+            </a:pPr>
+            <a:r>
+              <a:rPr lang="en-US" altLang="zh-CN" dirty="0">
+                <a:hlinkClick r:id="rId3"/>
+              </a:rPr>
+              <a:t>https://segmentfault.com/a/1190000008470355</a:t>
+            </a:r>
+            <a:r>
+              <a:rPr lang="zh-CN" altLang="en-US" dirty="0"/>
+              <a:t> </a:t>
+            </a:r>
+          </a:p>
+          <a:p>
+            <a:pPr marL="0" indent="0">
+              <a:buNone/>
+            </a:pPr>
+            <a:endParaRPr lang="en-US" dirty="0"/>
+          </a:p>
+        </p:txBody>
+      </p:sp>
+    </p:spTree>
+    <p:extLst>
+      <p:ext uri="{BB962C8B-B14F-4D97-AF65-F5344CB8AC3E}">
+        <p14:creationId xmlns:p14="http://schemas.microsoft.com/office/powerpoint/2010/main" val="1343442121"/>
+      </p:ext>
+    </p:extLst>
+  </p:cSld>
+  <p:clrMapOvr>
+    <a:masterClrMapping/>
+  </p:clrMapOvr>
+</p:sld>
+</file>
+
+<file path=ppt/slides/slide12.xml><?xml version="1.0" encoding="utf-8"?>
+<p:sld xmlns:a="http://schemas.openxmlformats.org/drawingml/2006/main" xmlns:r="http://schemas.openxmlformats.org/officeDocument/2006/relationships" xmlns:p="http://schemas.openxmlformats.org/presentationml/2006/main">
+  <p:cSld>
+    <p:spTree>
+      <p:nvGrpSpPr>
+        <p:cNvPr id="1" name=""/>
+        <p:cNvGrpSpPr/>
+        <p:nvPr/>
+      </p:nvGrpSpPr>
+      <p:grpSpPr>
+        <a:xfrm>
+          <a:off x="0" y="0"/>
+          <a:ext cx="0" cy="0"/>
+          <a:chOff x="0" y="0"/>
+          <a:chExt cx="0" cy="0"/>
+        </a:xfrm>
+      </p:grpSpPr>
+      <p:sp>
+        <p:nvSpPr>
+          <p:cNvPr id="6" name="标题 1">
+            <a:extLst>
+              <a:ext uri="{FF2B5EF4-FFF2-40B4-BE49-F238E27FC236}">
+                <a16:creationId xmlns:a16="http://schemas.microsoft.com/office/drawing/2014/main" id="{659396B0-081C-40E1-AC74-EE8C878AC82E}"/>
+              </a:ext>
+            </a:extLst>
+          </p:cNvPr>
+          <p:cNvSpPr txBox="1">
+            <a:spLocks/>
+          </p:cNvSpPr>
+          <p:nvPr/>
+        </p:nvSpPr>
+        <p:spPr>
+          <a:xfrm>
+            <a:off x="1319814" y="740623"/>
+            <a:ext cx="9144000" cy="821847"/>
+          </a:xfrm>
+          <a:prstGeom prst="rect">
+            <a:avLst/>
+          </a:prstGeom>
+        </p:spPr>
+        <p:txBody>
+          <a:bodyPr vert="horz" lIns="91440" tIns="45720" rIns="91440" bIns="45720" rtlCol="0" anchor="ctr">
+            <a:normAutofit fontScale="97500"/>
+          </a:bodyPr>
+          <a:lstStyle>
+            <a:lvl1pPr algn="l" defTabSz="914400" rtl="0" eaLnBrk="1" latinLnBrk="0" hangingPunct="1">
+              <a:lnSpc>
+                <a:spcPct val="90000"/>
+              </a:lnSpc>
+              <a:spcBef>
+                <a:spcPct val="0"/>
+              </a:spcBef>
+              <a:buNone/>
+              <a:defRPr sz="4400" kern="1200">
+                <a:solidFill>
+                  <a:schemeClr val="tx1"/>
+                </a:solidFill>
+                <a:latin typeface="+mj-lt"/>
+                <a:ea typeface="+mj-ea"/>
+                <a:cs typeface="+mj-cs"/>
+              </a:defRPr>
+            </a:lvl1pPr>
+          </a:lstStyle>
+          <a:p>
+            <a:r>
+              <a:rPr lang="en-US" b="1" dirty="0">
+                <a:solidFill>
+                  <a:schemeClr val="accent6"/>
+                </a:solidFill>
+              </a:rPr>
+              <a:t>E</a:t>
+            </a:r>
+            <a:r>
+              <a:rPr lang="en-US" altLang="zh-CN" b="1" dirty="0">
+                <a:solidFill>
+                  <a:schemeClr val="accent6"/>
+                </a:solidFill>
+              </a:rPr>
+              <a:t>lementUI</a:t>
+            </a:r>
+            <a:r>
+              <a:rPr lang="zh-CN" altLang="en-US" b="1" dirty="0">
+                <a:solidFill>
+                  <a:schemeClr val="accent6"/>
+                </a:solidFill>
+              </a:rPr>
+              <a:t>简介</a:t>
+            </a:r>
+            <a:endParaRPr lang="en-US" b="1" dirty="0">
+              <a:solidFill>
+                <a:schemeClr val="accent6"/>
+              </a:solidFill>
+            </a:endParaRPr>
+          </a:p>
+        </p:txBody>
+      </p:sp>
+      <p:sp>
+        <p:nvSpPr>
+          <p:cNvPr id="7" name="副标题 2">
+            <a:extLst>
+              <a:ext uri="{FF2B5EF4-FFF2-40B4-BE49-F238E27FC236}">
+                <a16:creationId xmlns:a16="http://schemas.microsoft.com/office/drawing/2014/main" id="{BC00806C-7F56-4D09-8F65-131F0EF9BD45}"/>
+              </a:ext>
+            </a:extLst>
+          </p:cNvPr>
+          <p:cNvSpPr txBox="1">
+            <a:spLocks/>
+          </p:cNvSpPr>
+          <p:nvPr/>
+        </p:nvSpPr>
+        <p:spPr>
+          <a:xfrm>
+            <a:off x="1319814" y="1562470"/>
+            <a:ext cx="9144000" cy="4518734"/>
+          </a:xfrm>
+          <a:prstGeom prst="rect">
+            <a:avLst/>
+          </a:prstGeom>
+        </p:spPr>
+        <p:txBody>
+          <a:bodyPr vert="horz" lIns="91440" tIns="45720" rIns="91440" bIns="45720" rtlCol="0">
+            <a:normAutofit fontScale="92500" lnSpcReduction="20000"/>
+          </a:bodyPr>
+          <a:lstStyle>
+            <a:lvl1pPr marL="228600" indent="-228600" algn="l" defTabSz="914400" rtl="0" eaLnBrk="1" latinLnBrk="0" hangingPunct="1">
+              <a:lnSpc>
+                <a:spcPct val="90000"/>
+              </a:lnSpc>
+              <a:spcBef>
+                <a:spcPts val="1000"/>
+              </a:spcBef>
+              <a:buFont typeface="Arial" panose="020B0604020202020204" pitchFamily="34" charset="0"/>
+              <a:buChar char="•"/>
+              <a:defRPr sz="2800" kern="1200">
+                <a:solidFill>
+                  <a:schemeClr val="tx1"/>
+                </a:solidFill>
+                <a:latin typeface="+mn-lt"/>
+                <a:ea typeface="+mn-ea"/>
+                <a:cs typeface="+mn-cs"/>
+              </a:defRPr>
+            </a:lvl1pPr>
+            <a:lvl2pPr marL="685800" indent="-228600" algn="l" defTabSz="914400" rtl="0" eaLnBrk="1" latinLnBrk="0" hangingPunct="1">
+              <a:lnSpc>
+                <a:spcPct val="90000"/>
+              </a:lnSpc>
+              <a:spcBef>
+                <a:spcPts val="500"/>
+              </a:spcBef>
+              <a:buFont typeface="Arial" panose="020B0604020202020204" pitchFamily="34" charset="0"/>
+              <a:buChar char="•"/>
+              <a:defRPr sz="2400" kern="1200">
+                <a:solidFill>
+                  <a:schemeClr val="tx1"/>
+                </a:solidFill>
+                <a:latin typeface="+mn-lt"/>
+                <a:ea typeface="+mn-ea"/>
+                <a:cs typeface="+mn-cs"/>
+              </a:defRPr>
+            </a:lvl2pPr>
+            <a:lvl3pPr marL="1143000" indent="-228600" algn="l" defTabSz="914400" rtl="0" eaLnBrk="1" latinLnBrk="0" hangingPunct="1">
+              <a:lnSpc>
+                <a:spcPct val="90000"/>
+              </a:lnSpc>
+              <a:spcBef>
+                <a:spcPts val="500"/>
+              </a:spcBef>
+              <a:buFont typeface="Arial" panose="020B0604020202020204" pitchFamily="34" charset="0"/>
+              <a:buChar char="•"/>
+              <a:defRPr sz="2000" kern="1200">
+                <a:solidFill>
+                  <a:schemeClr val="tx1"/>
+                </a:solidFill>
+                <a:latin typeface="+mn-lt"/>
+                <a:ea typeface="+mn-ea"/>
+                <a:cs typeface="+mn-cs"/>
+              </a:defRPr>
+            </a:lvl3pPr>
+            <a:lvl4pPr marL="1600200" indent="-228600" algn="l" defTabSz="914400" rtl="0" eaLnBrk="1" latinLnBrk="0" hangingPunct="1">
+              <a:lnSpc>
+                <a:spcPct val="90000"/>
+              </a:lnSpc>
+              <a:spcBef>
+                <a:spcPts val="500"/>
+              </a:spcBef>
+              <a:buFont typeface="Arial" panose="020B0604020202020204" pitchFamily="34" charset="0"/>
+              <a:buChar char="•"/>
+              <a:defRPr sz="1800" kern="1200">
+                <a:solidFill>
+                  <a:schemeClr val="tx1"/>
+                </a:solidFill>
+                <a:latin typeface="+mn-lt"/>
+                <a:ea typeface="+mn-ea"/>
+                <a:cs typeface="+mn-cs"/>
+              </a:defRPr>
+            </a:lvl4pPr>
+            <a:lvl5pPr marL="2057400" indent="-228600" algn="l" defTabSz="914400" rtl="0" eaLnBrk="1" latinLnBrk="0" hangingPunct="1">
+              <a:lnSpc>
+                <a:spcPct val="90000"/>
+              </a:lnSpc>
+              <a:spcBef>
+                <a:spcPts val="500"/>
+              </a:spcBef>
+              <a:buFont typeface="Arial" panose="020B0604020202020204" pitchFamily="34" charset="0"/>
+              <a:buChar char="•"/>
+              <a:defRPr sz="1800" kern="1200">
+                <a:solidFill>
+                  <a:schemeClr val="tx1"/>
+                </a:solidFill>
+                <a:latin typeface="+mn-lt"/>
+                <a:ea typeface="+mn-ea"/>
+                <a:cs typeface="+mn-cs"/>
+              </a:defRPr>
+            </a:lvl5pPr>
+            <a:lvl6pPr marL="2514600" indent="-228600" algn="l" defTabSz="914400" rtl="0" eaLnBrk="1" latinLnBrk="0" hangingPunct="1">
+              <a:lnSpc>
+                <a:spcPct val="90000"/>
+              </a:lnSpc>
+              <a:spcBef>
+                <a:spcPts val="500"/>
+              </a:spcBef>
+              <a:buFont typeface="Arial" panose="020B0604020202020204" pitchFamily="34" charset="0"/>
+              <a:buChar char="•"/>
+              <a:defRPr sz="1800" kern="1200">
+                <a:solidFill>
+                  <a:schemeClr val="tx1"/>
+                </a:solidFill>
+                <a:latin typeface="+mn-lt"/>
+                <a:ea typeface="+mn-ea"/>
+                <a:cs typeface="+mn-cs"/>
+              </a:defRPr>
+            </a:lvl6pPr>
+            <a:lvl7pPr marL="2971800" indent="-228600" algn="l" defTabSz="914400" rtl="0" eaLnBrk="1" latinLnBrk="0" hangingPunct="1">
+              <a:lnSpc>
+                <a:spcPct val="90000"/>
+              </a:lnSpc>
+              <a:spcBef>
+                <a:spcPts val="500"/>
+              </a:spcBef>
+              <a:buFont typeface="Arial" panose="020B0604020202020204" pitchFamily="34" charset="0"/>
+              <a:buChar char="•"/>
+              <a:defRPr sz="1800" kern="1200">
+                <a:solidFill>
+                  <a:schemeClr val="tx1"/>
+                </a:solidFill>
+                <a:latin typeface="+mn-lt"/>
+                <a:ea typeface="+mn-ea"/>
+                <a:cs typeface="+mn-cs"/>
+              </a:defRPr>
+            </a:lvl7pPr>
+            <a:lvl8pPr marL="3429000" indent="-228600" algn="l" defTabSz="914400" rtl="0" eaLnBrk="1" latinLnBrk="0" hangingPunct="1">
+              <a:lnSpc>
+                <a:spcPct val="90000"/>
+              </a:lnSpc>
+              <a:spcBef>
+                <a:spcPts val="500"/>
+              </a:spcBef>
+              <a:buFont typeface="Arial" panose="020B0604020202020204" pitchFamily="34" charset="0"/>
+              <a:buChar char="•"/>
+              <a:defRPr sz="1800" kern="1200">
+                <a:solidFill>
+                  <a:schemeClr val="tx1"/>
+                </a:solidFill>
+                <a:latin typeface="+mn-lt"/>
+                <a:ea typeface="+mn-ea"/>
+                <a:cs typeface="+mn-cs"/>
+              </a:defRPr>
+            </a:lvl8pPr>
+            <a:lvl9pPr marL="3886200" indent="-228600" algn="l" defTabSz="914400" rtl="0" eaLnBrk="1" latinLnBrk="0" hangingPunct="1">
+              <a:lnSpc>
+                <a:spcPct val="90000"/>
+              </a:lnSpc>
+              <a:spcBef>
+                <a:spcPts val="500"/>
+              </a:spcBef>
+              <a:buFont typeface="Arial" panose="020B0604020202020204" pitchFamily="34" charset="0"/>
+              <a:buChar char="•"/>
+              <a:defRPr sz="1800" kern="1200">
+                <a:solidFill>
+                  <a:schemeClr val="tx1"/>
+                </a:solidFill>
+                <a:latin typeface="+mn-lt"/>
+                <a:ea typeface="+mn-ea"/>
+                <a:cs typeface="+mn-cs"/>
+              </a:defRPr>
+            </a:lvl9pPr>
+          </a:lstStyle>
+          <a:p>
+            <a:pPr marL="0" indent="0">
+              <a:buNone/>
+            </a:pPr>
+            <a:endParaRPr lang="en-US" altLang="zh-CN" dirty="0"/>
+          </a:p>
+          <a:p>
+            <a:r>
+              <a:rPr lang="en-US" altLang="zh-CN" dirty="0"/>
+              <a:t>Element</a:t>
+            </a:r>
+            <a:r>
+              <a:rPr lang="zh-CN" altLang="en-US" dirty="0"/>
+              <a:t>，一套为开发者、设计师和产品经理准备的基于 </a:t>
+            </a:r>
+            <a:r>
+              <a:rPr lang="en-US" altLang="zh-CN" dirty="0"/>
+              <a:t>Vue 2.0 </a:t>
+            </a:r>
+            <a:r>
+              <a:rPr lang="zh-CN" altLang="en-US" dirty="0"/>
+              <a:t>的组件库，提供了配套设计资源，帮助你的网站快速成型</a:t>
+            </a:r>
+            <a:endParaRPr lang="en-US" altLang="zh-CN" dirty="0"/>
+          </a:p>
+          <a:p>
+            <a:pPr marL="0" indent="0">
+              <a:buNone/>
+            </a:pPr>
+            <a:endParaRPr lang="en-US" altLang="zh-CN" dirty="0"/>
+          </a:p>
+          <a:p>
+            <a:r>
+              <a:rPr lang="zh-CN" altLang="en-US" dirty="0"/>
+              <a:t>快速上手</a:t>
+            </a:r>
+            <a:endParaRPr lang="en-US" altLang="zh-CN" dirty="0"/>
+          </a:p>
+          <a:p>
+            <a:r>
+              <a:rPr lang="zh-CN" altLang="en-US" dirty="0"/>
+              <a:t>国际化</a:t>
+            </a:r>
+            <a:endParaRPr lang="en-US" altLang="zh-CN" dirty="0"/>
+          </a:p>
+          <a:p>
+            <a:r>
+              <a:rPr lang="zh-CN" altLang="en-US" dirty="0"/>
+              <a:t>自定义主题</a:t>
+            </a:r>
+            <a:endParaRPr lang="en-US" altLang="zh-CN" dirty="0"/>
+          </a:p>
+          <a:p>
+            <a:r>
+              <a:rPr lang="zh-CN" altLang="en-US" dirty="0"/>
+              <a:t>内置过渡动画</a:t>
+            </a:r>
+          </a:p>
+          <a:p>
+            <a:pPr marL="0" indent="0">
+              <a:buNone/>
+            </a:pPr>
+            <a:endParaRPr lang="en-US" altLang="zh-CN" dirty="0"/>
+          </a:p>
+          <a:p>
+            <a:pPr marL="0" indent="0">
+              <a:buNone/>
+            </a:pPr>
+            <a:r>
+              <a:rPr lang="zh-CN" altLang="en-US" dirty="0"/>
+              <a:t> </a:t>
+            </a:r>
+          </a:p>
+          <a:p>
+            <a:pPr marL="0" indent="0">
+              <a:buNone/>
+            </a:pPr>
+            <a:endParaRPr lang="en-US" dirty="0"/>
+          </a:p>
+        </p:txBody>
+      </p:sp>
+    </p:spTree>
+    <p:extLst>
+      <p:ext uri="{BB962C8B-B14F-4D97-AF65-F5344CB8AC3E}">
+        <p14:creationId xmlns:p14="http://schemas.microsoft.com/office/powerpoint/2010/main" val="2595684794"/>
+      </p:ext>
+    </p:extLst>
+  </p:cSld>
+  <p:clrMapOvr>
+    <a:masterClrMapping/>
+  </p:clrMapOvr>
+</p:sld>
+</file>
+
+<file path=ppt/slides/slide13.xml><?xml version="1.0" encoding="utf-8"?>
+<p:sld xmlns:a="http://schemas.openxmlformats.org/drawingml/2006/main" xmlns:r="http://schemas.openxmlformats.org/officeDocument/2006/relationships" xmlns:p="http://schemas.openxmlformats.org/presentationml/2006/main">
+  <p:cSld>
+    <p:spTree>
+      <p:nvGrpSpPr>
+        <p:cNvPr id="1" name=""/>
+        <p:cNvGrpSpPr/>
+        <p:nvPr/>
+      </p:nvGrpSpPr>
+      <p:grpSpPr>
+        <a:xfrm>
+          <a:off x="0" y="0"/>
+          <a:ext cx="0" cy="0"/>
+          <a:chOff x="0" y="0"/>
+          <a:chExt cx="0" cy="0"/>
+        </a:xfrm>
+      </p:grpSpPr>
+      <p:sp>
+        <p:nvSpPr>
+          <p:cNvPr id="4" name="标题 1">
+            <a:extLst>
+              <a:ext uri="{FF2B5EF4-FFF2-40B4-BE49-F238E27FC236}">
+                <a16:creationId xmlns:a16="http://schemas.microsoft.com/office/drawing/2014/main" id="{0CA52B47-16D1-47D9-9F37-0A7B9247C0F9}"/>
+              </a:ext>
+            </a:extLst>
+          </p:cNvPr>
+          <p:cNvSpPr txBox="1">
+            <a:spLocks/>
+          </p:cNvSpPr>
+          <p:nvPr/>
+        </p:nvSpPr>
+        <p:spPr>
+          <a:xfrm>
+            <a:off x="1319814" y="740623"/>
+            <a:ext cx="9144000" cy="821847"/>
+          </a:xfrm>
+          <a:prstGeom prst="rect">
+            <a:avLst/>
+          </a:prstGeom>
+        </p:spPr>
+        <p:txBody>
+          <a:bodyPr vert="horz" lIns="91440" tIns="45720" rIns="91440" bIns="45720" rtlCol="0" anchor="ctr">
+            <a:normAutofit fontScale="97500"/>
+          </a:bodyPr>
+          <a:lstStyle>
+            <a:lvl1pPr algn="l" defTabSz="914400" rtl="0" eaLnBrk="1" latinLnBrk="0" hangingPunct="1">
+              <a:lnSpc>
+                <a:spcPct val="90000"/>
+              </a:lnSpc>
+              <a:spcBef>
+                <a:spcPct val="0"/>
+              </a:spcBef>
+              <a:buNone/>
+              <a:defRPr sz="4400" kern="1200">
+                <a:solidFill>
+                  <a:schemeClr val="tx1"/>
+                </a:solidFill>
+                <a:latin typeface="+mj-lt"/>
+                <a:ea typeface="+mj-ea"/>
+                <a:cs typeface="+mj-cs"/>
+              </a:defRPr>
+            </a:lvl1pPr>
+          </a:lstStyle>
+          <a:p>
+            <a:r>
+              <a:rPr lang="en-US" altLang="zh-CN" b="1" dirty="0">
+                <a:solidFill>
+                  <a:schemeClr val="accent6"/>
+                </a:solidFill>
+              </a:rPr>
+              <a:t>WebPack</a:t>
+            </a:r>
+            <a:r>
+              <a:rPr lang="zh-CN" altLang="en-US" b="1" dirty="0">
+                <a:solidFill>
+                  <a:schemeClr val="accent6"/>
+                </a:solidFill>
+              </a:rPr>
+              <a:t>打包发布生产</a:t>
+            </a:r>
+            <a:endParaRPr lang="en-US" b="1" dirty="0">
+              <a:solidFill>
+                <a:schemeClr val="accent6"/>
+              </a:solidFill>
+            </a:endParaRPr>
+          </a:p>
+        </p:txBody>
+      </p:sp>
+      <p:sp>
+        <p:nvSpPr>
+          <p:cNvPr id="5" name="副标题 2">
+            <a:extLst>
+              <a:ext uri="{FF2B5EF4-FFF2-40B4-BE49-F238E27FC236}">
+                <a16:creationId xmlns:a16="http://schemas.microsoft.com/office/drawing/2014/main" id="{FCA286C6-CC50-458E-A7C5-159DAA2904BC}"/>
+              </a:ext>
+            </a:extLst>
+          </p:cNvPr>
+          <p:cNvSpPr txBox="1">
+            <a:spLocks/>
+          </p:cNvSpPr>
+          <p:nvPr/>
+        </p:nvSpPr>
+        <p:spPr>
+          <a:xfrm>
+            <a:off x="1319814" y="1562470"/>
+            <a:ext cx="9144000" cy="4518734"/>
+          </a:xfrm>
+          <a:prstGeom prst="rect">
+            <a:avLst/>
+          </a:prstGeom>
+        </p:spPr>
+        <p:txBody>
+          <a:bodyPr vert="horz" lIns="91440" tIns="45720" rIns="91440" bIns="45720" rtlCol="0">
+            <a:normAutofit fontScale="70000" lnSpcReduction="20000"/>
+          </a:bodyPr>
+          <a:lstStyle>
+            <a:lvl1pPr marL="228600" indent="-228600" algn="l" defTabSz="914400" rtl="0" eaLnBrk="1" latinLnBrk="0" hangingPunct="1">
+              <a:lnSpc>
+                <a:spcPct val="90000"/>
+              </a:lnSpc>
+              <a:spcBef>
+                <a:spcPts val="1000"/>
+              </a:spcBef>
+              <a:buFont typeface="Arial" panose="020B0604020202020204" pitchFamily="34" charset="0"/>
+              <a:buChar char="•"/>
+              <a:defRPr sz="2800" kern="1200">
+                <a:solidFill>
+                  <a:schemeClr val="tx1"/>
+                </a:solidFill>
+                <a:latin typeface="+mn-lt"/>
+                <a:ea typeface="+mn-ea"/>
+                <a:cs typeface="+mn-cs"/>
+              </a:defRPr>
+            </a:lvl1pPr>
+            <a:lvl2pPr marL="685800" indent="-228600" algn="l" defTabSz="914400" rtl="0" eaLnBrk="1" latinLnBrk="0" hangingPunct="1">
+              <a:lnSpc>
+                <a:spcPct val="90000"/>
+              </a:lnSpc>
+              <a:spcBef>
+                <a:spcPts val="500"/>
+              </a:spcBef>
+              <a:buFont typeface="Arial" panose="020B0604020202020204" pitchFamily="34" charset="0"/>
+              <a:buChar char="•"/>
+              <a:defRPr sz="2400" kern="1200">
+                <a:solidFill>
+                  <a:schemeClr val="tx1"/>
+                </a:solidFill>
+                <a:latin typeface="+mn-lt"/>
+                <a:ea typeface="+mn-ea"/>
+                <a:cs typeface="+mn-cs"/>
+              </a:defRPr>
+            </a:lvl2pPr>
+            <a:lvl3pPr marL="1143000" indent="-228600" algn="l" defTabSz="914400" rtl="0" eaLnBrk="1" latinLnBrk="0" hangingPunct="1">
+              <a:lnSpc>
+                <a:spcPct val="90000"/>
+              </a:lnSpc>
+              <a:spcBef>
+                <a:spcPts val="500"/>
+              </a:spcBef>
+              <a:buFont typeface="Arial" panose="020B0604020202020204" pitchFamily="34" charset="0"/>
+              <a:buChar char="•"/>
+              <a:defRPr sz="2000" kern="1200">
+                <a:solidFill>
+                  <a:schemeClr val="tx1"/>
+                </a:solidFill>
+                <a:latin typeface="+mn-lt"/>
+                <a:ea typeface="+mn-ea"/>
+                <a:cs typeface="+mn-cs"/>
+              </a:defRPr>
+            </a:lvl3pPr>
+            <a:lvl4pPr marL="1600200" indent="-228600" algn="l" defTabSz="914400" rtl="0" eaLnBrk="1" latinLnBrk="0" hangingPunct="1">
+              <a:lnSpc>
+                <a:spcPct val="90000"/>
+              </a:lnSpc>
+              <a:spcBef>
+                <a:spcPts val="500"/>
+              </a:spcBef>
+              <a:buFont typeface="Arial" panose="020B0604020202020204" pitchFamily="34" charset="0"/>
+              <a:buChar char="•"/>
+              <a:defRPr sz="1800" kern="1200">
+                <a:solidFill>
+                  <a:schemeClr val="tx1"/>
+                </a:solidFill>
+                <a:latin typeface="+mn-lt"/>
+                <a:ea typeface="+mn-ea"/>
+                <a:cs typeface="+mn-cs"/>
+              </a:defRPr>
+            </a:lvl4pPr>
+            <a:lvl5pPr marL="2057400" indent="-228600" algn="l" defTabSz="914400" rtl="0" eaLnBrk="1" latinLnBrk="0" hangingPunct="1">
+              <a:lnSpc>
+                <a:spcPct val="90000"/>
+              </a:lnSpc>
+              <a:spcBef>
+                <a:spcPts val="500"/>
+              </a:spcBef>
+              <a:buFont typeface="Arial" panose="020B0604020202020204" pitchFamily="34" charset="0"/>
+              <a:buChar char="•"/>
+              <a:defRPr sz="1800" kern="1200">
+                <a:solidFill>
+                  <a:schemeClr val="tx1"/>
+                </a:solidFill>
+                <a:latin typeface="+mn-lt"/>
+                <a:ea typeface="+mn-ea"/>
+                <a:cs typeface="+mn-cs"/>
+              </a:defRPr>
+            </a:lvl5pPr>
+            <a:lvl6pPr marL="2514600" indent="-228600" algn="l" defTabSz="914400" rtl="0" eaLnBrk="1" latinLnBrk="0" hangingPunct="1">
+              <a:lnSpc>
+                <a:spcPct val="90000"/>
+              </a:lnSpc>
+              <a:spcBef>
+                <a:spcPts val="500"/>
+              </a:spcBef>
+              <a:buFont typeface="Arial" panose="020B0604020202020204" pitchFamily="34" charset="0"/>
+              <a:buChar char="•"/>
+              <a:defRPr sz="1800" kern="1200">
+                <a:solidFill>
+                  <a:schemeClr val="tx1"/>
+                </a:solidFill>
+                <a:latin typeface="+mn-lt"/>
+                <a:ea typeface="+mn-ea"/>
+                <a:cs typeface="+mn-cs"/>
+              </a:defRPr>
+            </a:lvl6pPr>
+            <a:lvl7pPr marL="2971800" indent="-228600" algn="l" defTabSz="914400" rtl="0" eaLnBrk="1" latinLnBrk="0" hangingPunct="1">
+              <a:lnSpc>
+                <a:spcPct val="90000"/>
+              </a:lnSpc>
+              <a:spcBef>
+                <a:spcPts val="500"/>
+              </a:spcBef>
+              <a:buFont typeface="Arial" panose="020B0604020202020204" pitchFamily="34" charset="0"/>
+              <a:buChar char="•"/>
+              <a:defRPr sz="1800" kern="1200">
+                <a:solidFill>
+                  <a:schemeClr val="tx1"/>
+                </a:solidFill>
+                <a:latin typeface="+mn-lt"/>
+                <a:ea typeface="+mn-ea"/>
+                <a:cs typeface="+mn-cs"/>
+              </a:defRPr>
+            </a:lvl7pPr>
+            <a:lvl8pPr marL="3429000" indent="-228600" algn="l" defTabSz="914400" rtl="0" eaLnBrk="1" latinLnBrk="0" hangingPunct="1">
+              <a:lnSpc>
+                <a:spcPct val="90000"/>
+              </a:lnSpc>
+              <a:spcBef>
+                <a:spcPts val="500"/>
+              </a:spcBef>
+              <a:buFont typeface="Arial" panose="020B0604020202020204" pitchFamily="34" charset="0"/>
+              <a:buChar char="•"/>
+              <a:defRPr sz="1800" kern="1200">
+                <a:solidFill>
+                  <a:schemeClr val="tx1"/>
+                </a:solidFill>
+                <a:latin typeface="+mn-lt"/>
+                <a:ea typeface="+mn-ea"/>
+                <a:cs typeface="+mn-cs"/>
+              </a:defRPr>
+            </a:lvl8pPr>
+            <a:lvl9pPr marL="3886200" indent="-228600" algn="l" defTabSz="914400" rtl="0" eaLnBrk="1" latinLnBrk="0" hangingPunct="1">
+              <a:lnSpc>
+                <a:spcPct val="90000"/>
+              </a:lnSpc>
+              <a:spcBef>
+                <a:spcPts val="500"/>
+              </a:spcBef>
+              <a:buFont typeface="Arial" panose="020B0604020202020204" pitchFamily="34" charset="0"/>
+              <a:buChar char="•"/>
+              <a:defRPr sz="1800" kern="1200">
+                <a:solidFill>
+                  <a:schemeClr val="tx1"/>
+                </a:solidFill>
+                <a:latin typeface="+mn-lt"/>
+                <a:ea typeface="+mn-ea"/>
+                <a:cs typeface="+mn-cs"/>
+              </a:defRPr>
+            </a:lvl9pPr>
+          </a:lstStyle>
+          <a:p>
+            <a:pPr marL="0" indent="0">
+              <a:buNone/>
+            </a:pPr>
+            <a:endParaRPr lang="en-US" altLang="zh-CN" dirty="0"/>
+          </a:p>
+          <a:p>
+            <a:pPr marL="0" indent="0">
+              <a:buNone/>
+            </a:pPr>
+            <a:r>
+              <a:rPr lang="en-US" altLang="zh-CN" dirty="0"/>
+              <a:t>npm run build</a:t>
+            </a:r>
+          </a:p>
+          <a:p>
+            <a:pPr marL="0" indent="0">
+              <a:buNone/>
+            </a:pPr>
+            <a:endParaRPr lang="en-US" dirty="0">
+              <a:hlinkClick r:id=""/>
+            </a:endParaRPr>
+          </a:p>
+          <a:p>
+            <a:pPr marL="0" indent="0">
+              <a:buNone/>
+            </a:pPr>
+            <a:r>
+              <a:rPr lang="en-US" dirty="0">
+                <a:hlinkClick r:id=""/>
+              </a:rPr>
+              <a:t>vue-cli#2.0 webpack </a:t>
+            </a:r>
+            <a:r>
+              <a:rPr lang="zh-CN" altLang="en-US" dirty="0">
+                <a:hlinkClick r:id="rId2"/>
+              </a:rPr>
+              <a:t>配置分析</a:t>
+            </a:r>
+            <a:endParaRPr lang="en-US" altLang="zh-CN" dirty="0"/>
+          </a:p>
+          <a:p>
+            <a:pPr marL="0" indent="0">
+              <a:buNone/>
+            </a:pPr>
+            <a:endParaRPr lang="en-US" altLang="zh-CN" dirty="0"/>
+          </a:p>
+          <a:p>
+            <a:pPr marL="0" indent="0">
+              <a:buNone/>
+            </a:pPr>
+            <a:r>
+              <a:rPr lang="zh-CN" altLang="en-US" dirty="0"/>
+              <a:t>核心术语</a:t>
+            </a:r>
+            <a:r>
+              <a:rPr lang="en-US" altLang="zh-CN" dirty="0"/>
+              <a:t>:</a:t>
+            </a:r>
+          </a:p>
+          <a:p>
+            <a:r>
+              <a:rPr lang="zh-CN" altLang="en-US" dirty="0"/>
+              <a:t>入库</a:t>
+            </a:r>
+            <a:endParaRPr lang="en-US" altLang="zh-CN" dirty="0"/>
+          </a:p>
+          <a:p>
+            <a:r>
+              <a:rPr lang="zh-CN" altLang="en-US" dirty="0"/>
+              <a:t>出口</a:t>
+            </a:r>
+            <a:endParaRPr lang="en-US" altLang="zh-CN" dirty="0"/>
+          </a:p>
+          <a:p>
+            <a:r>
+              <a:rPr lang="en-US" altLang="zh-CN" dirty="0"/>
+              <a:t>Loader</a:t>
+            </a:r>
+          </a:p>
+          <a:p>
+            <a:r>
+              <a:rPr lang="zh-CN" altLang="en-US" dirty="0"/>
+              <a:t>插件</a:t>
+            </a:r>
+            <a:endParaRPr lang="en-US" altLang="zh-CN" dirty="0"/>
+          </a:p>
+          <a:p>
+            <a:endParaRPr lang="zh-CN" altLang="en-US" dirty="0"/>
+          </a:p>
+          <a:p>
+            <a:pPr marL="0" indent="0">
+              <a:buNone/>
+            </a:pPr>
+            <a:endParaRPr lang="en-US" altLang="zh-CN" dirty="0"/>
+          </a:p>
+          <a:p>
+            <a:pPr marL="0" indent="0">
+              <a:buNone/>
+            </a:pPr>
+            <a:r>
+              <a:rPr lang="zh-CN" altLang="en-US" dirty="0"/>
+              <a:t> </a:t>
+            </a:r>
+          </a:p>
+          <a:p>
+            <a:pPr marL="0" indent="0">
+              <a:buNone/>
+            </a:pPr>
+            <a:endParaRPr lang="en-US" dirty="0"/>
+          </a:p>
+        </p:txBody>
+      </p:sp>
+    </p:spTree>
+    <p:extLst>
+      <p:ext uri="{BB962C8B-B14F-4D97-AF65-F5344CB8AC3E}">
+        <p14:creationId xmlns:p14="http://schemas.microsoft.com/office/powerpoint/2010/main" val="3431982042"/>
+      </p:ext>
+    </p:extLst>
+  </p:cSld>
+  <p:clrMapOvr>
+    <a:masterClrMapping/>
+  </p:clrMapOvr>
+</p:sld>
+</file>
+
 <file path=ppt/slides/slide2.xml><?xml version="1.0" encoding="utf-8"?>
 <p:sld xmlns:a="http://schemas.openxmlformats.org/drawingml/2006/main" xmlns:r="http://schemas.openxmlformats.org/officeDocument/2006/relationships" xmlns:p="http://schemas.openxmlformats.org/presentationml/2006/main">
   <p:cSld>
@@ -5314,28 +6872,30 @@
       </p:grpSpPr>
       <p:sp>
         <p:nvSpPr>
-          <p:cNvPr id="6" name="Title 1">
-            <a:extLst>
-              <a:ext uri="{FF2B5EF4-FFF2-40B4-BE49-F238E27FC236}">
-                <a16:creationId xmlns:a16="http://schemas.microsoft.com/office/drawing/2014/main" id="{2CA87332-2786-4A46-B84F-DD81D18952A1}"/>
-              </a:ext>
-            </a:extLst>
-          </p:cNvPr>
-          <p:cNvSpPr>
-            <a:spLocks noGrp="1"/>
-          </p:cNvSpPr>
-          <p:nvPr>
-            <p:ph type="title"/>
+          <p:cNvPr id="2" name="标题 1">
+            <a:extLst>
+              <a:ext uri="{FF2B5EF4-FFF2-40B4-BE49-F238E27FC236}">
+                <a16:creationId xmlns:a16="http://schemas.microsoft.com/office/drawing/2014/main" id="{1475F2EA-F581-4A14-9467-C90F513D9539}"/>
+              </a:ext>
+            </a:extLst>
+          </p:cNvPr>
+          <p:cNvSpPr>
+            <a:spLocks noGrp="1"/>
+          </p:cNvSpPr>
+          <p:nvPr>
+            <p:ph type="ctrTitle"/>
           </p:nvPr>
         </p:nvSpPr>
         <p:spPr>
           <a:xfrm>
-            <a:off x="838200" y="365125"/>
-            <a:ext cx="10515600" cy="1325563"/>
+            <a:off x="1524000" y="740623"/>
+            <a:ext cx="9144000" cy="821847"/>
           </a:xfrm>
         </p:spPr>
         <p:txBody>
-          <a:bodyPr/>
+          <a:bodyPr>
+            <a:normAutofit fontScale="90000"/>
+          </a:bodyPr>
           <a:lstStyle/>
           <a:p>
             <a:r>
@@ -5344,17 +6904,25 @@
                   <a:schemeClr val="accent6"/>
                 </a:solidFill>
               </a:rPr>
-              <a:t>Vue-router2</a:t>
-            </a:r>
-            <a:r>
-              <a:rPr lang="zh-CN" altLang="en-US" b="1">
+              <a:t>vue-router</a:t>
+            </a:r>
+            <a:r>
+              <a:rPr lang="en-US" altLang="zh-CN" b="1" dirty="0">
                 <a:solidFill>
                   <a:schemeClr val="accent6"/>
                 </a:solidFill>
               </a:rPr>
-              <a:t>基本概念</a:t>
-            </a:r>
-            <a:endParaRPr lang="ca-AD" b="1" dirty="0">
+              <a:t>2.0</a:t>
+            </a:r>
+            <a:r>
+              <a:rPr lang="zh-CN" altLang="en-US" b="1" dirty="0">
+                <a:solidFill>
+                  <a:schemeClr val="accent6"/>
+                </a:solidFill>
+              </a:rPr>
+              <a:t>概要</a:t>
+            </a:r>
+            <a:endParaRPr lang="en-US" b="1" dirty="0">
               <a:solidFill>
                 <a:schemeClr val="accent6"/>
               </a:solidFill>
@@ -5362,10 +6930,119 @@
           </a:p>
         </p:txBody>
       </p:sp>
+      <p:sp>
+        <p:nvSpPr>
+          <p:cNvPr id="3" name="副标题 2">
+            <a:extLst>
+              <a:ext uri="{FF2B5EF4-FFF2-40B4-BE49-F238E27FC236}">
+                <a16:creationId xmlns:a16="http://schemas.microsoft.com/office/drawing/2014/main" id="{8D2446CA-E460-4F4F-B4F3-7E19B14BAEB0}"/>
+              </a:ext>
+            </a:extLst>
+          </p:cNvPr>
+          <p:cNvSpPr>
+            <a:spLocks noGrp="1"/>
+          </p:cNvSpPr>
+          <p:nvPr>
+            <p:ph type="subTitle" idx="1"/>
+          </p:nvPr>
+        </p:nvSpPr>
+        <p:spPr>
+          <a:xfrm>
+            <a:off x="1524000" y="2201662"/>
+            <a:ext cx="9144000" cy="3056138"/>
+          </a:xfrm>
+        </p:spPr>
+        <p:txBody>
+          <a:bodyPr/>
+          <a:lstStyle/>
+          <a:p>
+            <a:pPr algn="l"/>
+            <a:r>
+              <a:rPr lang="zh-CN" altLang="en-US" dirty="0"/>
+              <a:t>用 </a:t>
+            </a:r>
+            <a:r>
+              <a:rPr lang="en-US" dirty="0"/>
+              <a:t>Vue.js + vue-router </a:t>
+            </a:r>
+            <a:r>
+              <a:rPr lang="zh-CN" altLang="en-US" dirty="0"/>
+              <a:t>创建单页应用，是非常简单的。使用 </a:t>
+            </a:r>
+            <a:r>
+              <a:rPr lang="en-US" dirty="0"/>
+              <a:t>Vue.js ，</a:t>
+            </a:r>
+            <a:r>
+              <a:rPr lang="zh-CN" altLang="en-US" dirty="0"/>
+              <a:t>我们已经可以通过组合组件来组成应用程序，当你要把 </a:t>
+            </a:r>
+            <a:r>
+              <a:rPr lang="en-US" dirty="0" err="1"/>
+              <a:t>vue</a:t>
+            </a:r>
+            <a:r>
+              <a:rPr lang="en-US" dirty="0"/>
+              <a:t>-router </a:t>
+            </a:r>
+            <a:r>
+              <a:rPr lang="zh-CN" altLang="en-US" dirty="0"/>
+              <a:t>添加进来，我们需要做的是，将组件</a:t>
+            </a:r>
+            <a:r>
+              <a:rPr lang="en-US" altLang="zh-CN" dirty="0"/>
+              <a:t>(</a:t>
+            </a:r>
+            <a:r>
+              <a:rPr lang="en-US" dirty="0"/>
+              <a:t>components)</a:t>
+            </a:r>
+            <a:r>
+              <a:rPr lang="zh-CN" altLang="en-US" dirty="0"/>
+              <a:t>映射到路由</a:t>
+            </a:r>
+            <a:r>
+              <a:rPr lang="en-US" altLang="zh-CN" dirty="0"/>
+              <a:t>(</a:t>
+            </a:r>
+            <a:r>
+              <a:rPr lang="en-US" dirty="0"/>
+              <a:t>routes)，</a:t>
+            </a:r>
+            <a:r>
+              <a:rPr lang="zh-CN" altLang="en-US" dirty="0"/>
+              <a:t>然后告诉 </a:t>
+            </a:r>
+            <a:r>
+              <a:rPr lang="en-US" dirty="0"/>
+              <a:t>vue-router </a:t>
+            </a:r>
+            <a:r>
+              <a:rPr lang="zh-CN" altLang="en-US" dirty="0"/>
+              <a:t>在哪里渲染它们。</a:t>
+            </a:r>
+            <a:endParaRPr lang="en-US" altLang="zh-CN" dirty="0"/>
+          </a:p>
+          <a:p>
+            <a:pPr algn="l"/>
+            <a:endParaRPr lang="en-US" dirty="0"/>
+          </a:p>
+          <a:p>
+            <a:pPr algn="l"/>
+            <a:r>
+              <a:rPr lang="en-US" dirty="0">
+                <a:hlinkClick r:id="rId2"/>
+              </a:rPr>
+              <a:t>https://router.vuejs.org/zh-cn/essentials/getting-started.html</a:t>
+            </a:r>
+            <a:endParaRPr lang="en-US" dirty="0"/>
+          </a:p>
+        </p:txBody>
+      </p:sp>
     </p:spTree>
     <p:extLst>
       <p:ext uri="{BB962C8B-B14F-4D97-AF65-F5344CB8AC3E}">
-        <p14:creationId xmlns:p14="http://schemas.microsoft.com/office/powerpoint/2010/main" val="2702823933"/>
+        <p14:creationId xmlns:p14="http://schemas.microsoft.com/office/powerpoint/2010/main" val="257268961"/>
       </p:ext>
     </p:extLst>
   </p:cSld>
